--- a/Document/FPTU-CAPSTONE-PROJECT-MANAGEMENT_BanChuan.pptx
+++ b/Document/FPTU-CAPSTONE-PROJECT-MANAGEMENT_BanChuan.pptx
@@ -17,8 +17,8 @@
     <p:sldId id="303" r:id="rId8"/>
     <p:sldId id="294" r:id="rId9"/>
     <p:sldId id="295" r:id="rId10"/>
-    <p:sldId id="296" r:id="rId11"/>
-    <p:sldId id="300" r:id="rId12"/>
+    <p:sldId id="300" r:id="rId11"/>
+    <p:sldId id="296" r:id="rId12"/>
     <p:sldId id="298" r:id="rId13"/>
     <p:sldId id="263" r:id="rId14"/>
     <p:sldId id="264" r:id="rId15"/>
@@ -9482,10 +9482,251 @@
   <p:clrMapOvr>
     <a:masterClrMapping/>
   </p:clrMapOvr>
+  <p:timing>
+    <p:tnLst>
+      <p:par>
+        <p:cTn id="1" dur="indefinite" restart="never" nodeType="tmRoot"/>
+      </p:par>
+    </p:tnLst>
+  </p:timing>
 </p:sld>
 </file>
 
 <file path=ppt/slides/slide10.xml><?xml version="1.0" encoding="utf-8"?>
+<p:sld xmlns:a="http://schemas.openxmlformats.org/drawingml/2006/main" xmlns:r="http://schemas.openxmlformats.org/officeDocument/2006/relationships" xmlns:p="http://schemas.openxmlformats.org/presentationml/2006/main">
+  <p:cSld>
+    <p:spTree>
+      <p:nvGrpSpPr>
+        <p:cNvPr id="1" name=""/>
+        <p:cNvGrpSpPr/>
+        <p:nvPr/>
+      </p:nvGrpSpPr>
+      <p:grpSpPr>
+        <a:xfrm>
+          <a:off x="0" y="0"/>
+          <a:ext cx="0" cy="0"/>
+          <a:chOff x="0" y="0"/>
+          <a:chExt cx="0" cy="0"/>
+        </a:xfrm>
+      </p:grpSpPr>
+      <p:sp>
+        <p:nvSpPr>
+          <p:cNvPr id="2" name="Title 1"/>
+          <p:cNvSpPr>
+            <a:spLocks noGrp="1"/>
+          </p:cNvSpPr>
+          <p:nvPr>
+            <p:ph type="title"/>
+          </p:nvPr>
+        </p:nvSpPr>
+        <p:spPr/>
+        <p:txBody>
+          <a:bodyPr/>
+          <a:lstStyle/>
+          <a:p>
+            <a:r>
+              <a:rPr lang="en-US" dirty="0"/>
+              <a:t>SOLUTION</a:t>
+            </a:r>
+          </a:p>
+        </p:txBody>
+      </p:sp>
+      <p:sp>
+        <p:nvSpPr>
+          <p:cNvPr id="3" name="Text Placeholder 2"/>
+          <p:cNvSpPr>
+            <a:spLocks noGrp="1"/>
+          </p:cNvSpPr>
+          <p:nvPr>
+            <p:ph type="body" idx="1"/>
+          </p:nvPr>
+        </p:nvSpPr>
+        <p:spPr>
+          <a:xfrm>
+            <a:off x="2270516" y="2018967"/>
+            <a:ext cx="5188400" cy="4555200"/>
+          </a:xfrm>
+        </p:spPr>
+        <p:txBody>
+          <a:bodyPr/>
+          <a:lstStyle/>
+          <a:p>
+            <a:pPr lvl="0">
+              <a:buFont typeface="Wingdings" panose="05000000000000000000" pitchFamily="2" charset="2"/>
+              <a:buChar char="Ø"/>
+            </a:pPr>
+            <a:r>
+              <a:rPr lang="en-GB" sz="1800" dirty="0">
+                <a:latin typeface="+mn-lt"/>
+              </a:rPr>
+              <a:t>Allow the Head of Department to:</a:t>
+            </a:r>
+            <a:endParaRPr lang="en-US" sz="1800" dirty="0">
+              <a:latin typeface="+mn-lt"/>
+            </a:endParaRPr>
+          </a:p>
+          <a:p>
+            <a:pPr marL="152396" indent="0">
+              <a:buNone/>
+            </a:pPr>
+            <a:r>
+              <a:rPr lang="en-GB" sz="1800" dirty="0">
+                <a:latin typeface="+mn-lt"/>
+              </a:rPr>
+              <a:t> </a:t>
+            </a:r>
+            <a:endParaRPr lang="en-US" sz="1800" dirty="0">
+              <a:latin typeface="+mn-lt"/>
+            </a:endParaRPr>
+          </a:p>
+          <a:p>
+            <a:pPr lvl="0">
+              <a:buFont typeface="Courier New" panose="02070309020205020404" pitchFamily="49" charset="0"/>
+              <a:buChar char="o"/>
+            </a:pPr>
+            <a:r>
+              <a:rPr lang="en-GB" sz="1800" dirty="0">
+                <a:latin typeface="+mn-lt"/>
+              </a:rPr>
+              <a:t>Allow the head of department to login with FPT email account.</a:t>
+            </a:r>
+            <a:endParaRPr lang="en-US" sz="1800" dirty="0">
+              <a:latin typeface="+mn-lt"/>
+            </a:endParaRPr>
+          </a:p>
+          <a:p>
+            <a:pPr lvl="0">
+              <a:buFont typeface="Courier New" panose="02070309020205020404" pitchFamily="49" charset="0"/>
+              <a:buChar char="o"/>
+            </a:pPr>
+            <a:r>
+              <a:rPr lang="en-GB" sz="1800" dirty="0">
+                <a:latin typeface="+mn-lt"/>
+              </a:rPr>
+              <a:t>Allow the head of department to view capstone projects in forum.</a:t>
+            </a:r>
+            <a:endParaRPr lang="en-US" sz="1800" dirty="0">
+              <a:latin typeface="+mn-lt"/>
+            </a:endParaRPr>
+          </a:p>
+          <a:p>
+            <a:pPr lvl="0">
+              <a:buFont typeface="Courier New" panose="02070309020205020404" pitchFamily="49" charset="0"/>
+              <a:buChar char="o"/>
+            </a:pPr>
+            <a:r>
+              <a:rPr lang="en-GB" sz="1800" dirty="0">
+                <a:latin typeface="+mn-lt"/>
+              </a:rPr>
+              <a:t>Allow the head of department to communicate via chat feature.</a:t>
+            </a:r>
+            <a:endParaRPr lang="en-US" sz="1800" dirty="0">
+              <a:latin typeface="+mn-lt"/>
+            </a:endParaRPr>
+          </a:p>
+          <a:p>
+            <a:pPr lvl="0">
+              <a:buFont typeface="Courier New" panose="02070309020205020404" pitchFamily="49" charset="0"/>
+              <a:buChar char="o"/>
+            </a:pPr>
+            <a:r>
+              <a:rPr lang="en-GB" sz="1800" dirty="0">
+                <a:latin typeface="+mn-lt"/>
+              </a:rPr>
+              <a:t>Allow the head of department to confirm / reject the project.</a:t>
+            </a:r>
+            <a:endParaRPr lang="en-US" sz="1800" dirty="0">
+              <a:latin typeface="+mn-lt"/>
+            </a:endParaRPr>
+          </a:p>
+          <a:p>
+            <a:pPr lvl="0">
+              <a:buFont typeface="Courier New" panose="02070309020205020404" pitchFamily="49" charset="0"/>
+              <a:buChar char="o"/>
+            </a:pPr>
+            <a:r>
+              <a:rPr lang="en-GB" sz="1800" dirty="0">
+                <a:latin typeface="+mn-lt"/>
+              </a:rPr>
+              <a:t>Allow the head of department to view dashboard of all capstone projects.</a:t>
+            </a:r>
+            <a:endParaRPr lang="en-US" sz="1800" dirty="0">
+              <a:latin typeface="+mn-lt"/>
+            </a:endParaRPr>
+          </a:p>
+          <a:p>
+            <a:pPr lvl="0">
+              <a:buFont typeface="Courier New" panose="02070309020205020404" pitchFamily="49" charset="0"/>
+              <a:buChar char="o"/>
+            </a:pPr>
+            <a:r>
+              <a:rPr lang="en-GB" sz="1800" dirty="0">
+                <a:latin typeface="+mn-lt"/>
+              </a:rPr>
+              <a:t>Allow the head of department to view process of working in group.</a:t>
+            </a:r>
+            <a:endParaRPr lang="en-US" sz="1800" dirty="0">
+              <a:latin typeface="+mn-lt"/>
+            </a:endParaRPr>
+          </a:p>
+          <a:p>
+            <a:endParaRPr lang="en-US" sz="1800" dirty="0"/>
+          </a:p>
+        </p:txBody>
+      </p:sp>
+      <p:sp>
+        <p:nvSpPr>
+          <p:cNvPr id="4" name="Subtitle 3"/>
+          <p:cNvSpPr>
+            <a:spLocks noGrp="1"/>
+          </p:cNvSpPr>
+          <p:nvPr>
+            <p:ph type="subTitle" idx="2"/>
+          </p:nvPr>
+        </p:nvSpPr>
+        <p:spPr/>
+        <p:txBody>
+          <a:bodyPr/>
+          <a:lstStyle/>
+          <a:p>
+            <a:pPr marL="457200" indent="-457200">
+              <a:buFont typeface="Wingdings" panose="05000000000000000000" pitchFamily="2" charset="2"/>
+              <a:buChar char="Ø"/>
+            </a:pPr>
+            <a:r>
+              <a:rPr lang="en-US" spc="5" dirty="0">
+                <a:cs typeface="Calibri"/>
+              </a:rPr>
+              <a:t>System functions: </a:t>
+            </a:r>
+            <a:endParaRPr lang="en-US" dirty="0"/>
+          </a:p>
+          <a:p>
+            <a:endParaRPr lang="en-US" dirty="0"/>
+          </a:p>
+        </p:txBody>
+      </p:sp>
+    </p:spTree>
+    <p:extLst>
+      <p:ext uri="{BB962C8B-B14F-4D97-AF65-F5344CB8AC3E}">
+        <p14:creationId xmlns:p14="http://schemas.microsoft.com/office/powerpoint/2010/main" val="2862446992"/>
+      </p:ext>
+    </p:extLst>
+  </p:cSld>
+  <p:clrMapOvr>
+    <a:masterClrMapping/>
+  </p:clrMapOvr>
+  <p:timing>
+    <p:tnLst>
+      <p:par>
+        <p:cTn id="1" dur="indefinite" restart="never" nodeType="tmRoot"/>
+      </p:par>
+    </p:tnLst>
+  </p:timing>
+</p:sld>
+</file>
+
+<file path=ppt/slides/slide11.xml><?xml version="1.0" encoding="utf-8"?>
 <p:sld xmlns:a="http://schemas.openxmlformats.org/drawingml/2006/main" xmlns:r="http://schemas.openxmlformats.org/officeDocument/2006/relationships" xmlns:p="http://schemas.openxmlformats.org/presentationml/2006/main">
   <p:cSld>
     <p:spTree>
@@ -9881,233 +10122,13 @@
   <p:clrMapOvr>
     <a:masterClrMapping/>
   </p:clrMapOvr>
-</p:sld>
-</file>
-
-<file path=ppt/slides/slide11.xml><?xml version="1.0" encoding="utf-8"?>
-<p:sld xmlns:a="http://schemas.openxmlformats.org/drawingml/2006/main" xmlns:r="http://schemas.openxmlformats.org/officeDocument/2006/relationships" xmlns:p="http://schemas.openxmlformats.org/presentationml/2006/main">
-  <p:cSld>
-    <p:spTree>
-      <p:nvGrpSpPr>
-        <p:cNvPr id="1" name=""/>
-        <p:cNvGrpSpPr/>
-        <p:nvPr/>
-      </p:nvGrpSpPr>
-      <p:grpSpPr>
-        <a:xfrm>
-          <a:off x="0" y="0"/>
-          <a:ext cx="0" cy="0"/>
-          <a:chOff x="0" y="0"/>
-          <a:chExt cx="0" cy="0"/>
-        </a:xfrm>
-      </p:grpSpPr>
-      <p:sp>
-        <p:nvSpPr>
-          <p:cNvPr id="2" name="Title 1"/>
-          <p:cNvSpPr>
-            <a:spLocks noGrp="1"/>
-          </p:cNvSpPr>
-          <p:nvPr>
-            <p:ph type="title"/>
-          </p:nvPr>
-        </p:nvSpPr>
-        <p:spPr/>
-        <p:txBody>
-          <a:bodyPr/>
-          <a:lstStyle/>
-          <a:p>
-            <a:r>
-              <a:rPr lang="en-US" dirty="0"/>
-              <a:t>SOLUTION</a:t>
-            </a:r>
-          </a:p>
-        </p:txBody>
-      </p:sp>
-      <p:sp>
-        <p:nvSpPr>
-          <p:cNvPr id="3" name="Text Placeholder 2"/>
-          <p:cNvSpPr>
-            <a:spLocks noGrp="1"/>
-          </p:cNvSpPr>
-          <p:nvPr>
-            <p:ph type="body" idx="1"/>
-          </p:nvPr>
-        </p:nvSpPr>
-        <p:spPr>
-          <a:xfrm>
-            <a:off x="2270516" y="2018967"/>
-            <a:ext cx="5188400" cy="4555200"/>
-          </a:xfrm>
-        </p:spPr>
-        <p:txBody>
-          <a:bodyPr/>
-          <a:lstStyle/>
-          <a:p>
-            <a:pPr lvl="0">
-              <a:buFont typeface="Wingdings" panose="05000000000000000000" pitchFamily="2" charset="2"/>
-              <a:buChar char="Ø"/>
-            </a:pPr>
-            <a:r>
-              <a:rPr lang="en-GB" sz="1800" dirty="0">
-                <a:latin typeface="+mn-lt"/>
-              </a:rPr>
-              <a:t>Allow the Head of Department to:</a:t>
-            </a:r>
-            <a:endParaRPr lang="en-US" sz="1800" dirty="0">
-              <a:latin typeface="+mn-lt"/>
-            </a:endParaRPr>
-          </a:p>
-          <a:p>
-            <a:pPr marL="152396" indent="0">
-              <a:buNone/>
-            </a:pPr>
-            <a:r>
-              <a:rPr lang="en-GB" sz="1800" dirty="0">
-                <a:latin typeface="+mn-lt"/>
-              </a:rPr>
-              <a:t> </a:t>
-            </a:r>
-            <a:endParaRPr lang="en-US" sz="1800" dirty="0">
-              <a:latin typeface="+mn-lt"/>
-            </a:endParaRPr>
-          </a:p>
-          <a:p>
-            <a:pPr lvl="0">
-              <a:buFont typeface="Courier New" panose="02070309020205020404" pitchFamily="49" charset="0"/>
-              <a:buChar char="o"/>
-            </a:pPr>
-            <a:r>
-              <a:rPr lang="en-GB" sz="1800" dirty="0">
-                <a:latin typeface="+mn-lt"/>
-              </a:rPr>
-              <a:t>Allow the head of department to login with FPT email account.</a:t>
-            </a:r>
-            <a:endParaRPr lang="en-US" sz="1800" dirty="0">
-              <a:latin typeface="+mn-lt"/>
-            </a:endParaRPr>
-          </a:p>
-          <a:p>
-            <a:pPr lvl="0">
-              <a:buFont typeface="Courier New" panose="02070309020205020404" pitchFamily="49" charset="0"/>
-              <a:buChar char="o"/>
-            </a:pPr>
-            <a:r>
-              <a:rPr lang="en-GB" sz="1800" dirty="0">
-                <a:latin typeface="+mn-lt"/>
-              </a:rPr>
-              <a:t>Allow the head of department to view capstone projects in forum.</a:t>
-            </a:r>
-            <a:endParaRPr lang="en-US" sz="1800" dirty="0">
-              <a:latin typeface="+mn-lt"/>
-            </a:endParaRPr>
-          </a:p>
-          <a:p>
-            <a:pPr lvl="0">
-              <a:buFont typeface="Courier New" panose="02070309020205020404" pitchFamily="49" charset="0"/>
-              <a:buChar char="o"/>
-            </a:pPr>
-            <a:r>
-              <a:rPr lang="en-GB" sz="1800" dirty="0">
-                <a:latin typeface="+mn-lt"/>
-              </a:rPr>
-              <a:t>Allow the head of department to communicate via chat feature.</a:t>
-            </a:r>
-            <a:endParaRPr lang="en-US" sz="1800" dirty="0">
-              <a:latin typeface="+mn-lt"/>
-            </a:endParaRPr>
-          </a:p>
-          <a:p>
-            <a:pPr lvl="0">
-              <a:buFont typeface="Courier New" panose="02070309020205020404" pitchFamily="49" charset="0"/>
-              <a:buChar char="o"/>
-            </a:pPr>
-            <a:r>
-              <a:rPr lang="en-GB" sz="1800" dirty="0">
-                <a:latin typeface="+mn-lt"/>
-              </a:rPr>
-              <a:t>Allow the head of department to confirm / reject the project.</a:t>
-            </a:r>
-            <a:endParaRPr lang="en-US" sz="1800" dirty="0">
-              <a:latin typeface="+mn-lt"/>
-            </a:endParaRPr>
-          </a:p>
-          <a:p>
-            <a:pPr lvl="0">
-              <a:buFont typeface="Courier New" panose="02070309020205020404" pitchFamily="49" charset="0"/>
-              <a:buChar char="o"/>
-            </a:pPr>
-            <a:r>
-              <a:rPr lang="en-GB" sz="1800" dirty="0">
-                <a:latin typeface="+mn-lt"/>
-              </a:rPr>
-              <a:t>Allow the head of department to view dashboard of all capstone projects.</a:t>
-            </a:r>
-            <a:endParaRPr lang="en-US" sz="1800" dirty="0">
-              <a:latin typeface="+mn-lt"/>
-            </a:endParaRPr>
-          </a:p>
-          <a:p>
-            <a:pPr lvl="0">
-              <a:buFont typeface="Courier New" panose="02070309020205020404" pitchFamily="49" charset="0"/>
-              <a:buChar char="o"/>
-            </a:pPr>
-            <a:r>
-              <a:rPr lang="en-GB" sz="1800" dirty="0">
-                <a:latin typeface="+mn-lt"/>
-              </a:rPr>
-              <a:t>Allow the head of department to view process of working in group.</a:t>
-            </a:r>
-            <a:endParaRPr lang="en-US" sz="1800" dirty="0">
-              <a:latin typeface="+mn-lt"/>
-            </a:endParaRPr>
-          </a:p>
-          <a:p>
-            <a:endParaRPr lang="en-US" sz="1800" dirty="0"/>
-          </a:p>
-        </p:txBody>
-      </p:sp>
-      <p:sp>
-        <p:nvSpPr>
-          <p:cNvPr id="4" name="Subtitle 3"/>
-          <p:cNvSpPr>
-            <a:spLocks noGrp="1"/>
-          </p:cNvSpPr>
-          <p:nvPr>
-            <p:ph type="subTitle" idx="2"/>
-          </p:nvPr>
-        </p:nvSpPr>
-        <p:spPr/>
-        <p:txBody>
-          <a:bodyPr/>
-          <a:lstStyle/>
-          <a:p>
-            <a:pPr marL="457200" indent="-457200">
-              <a:buFont typeface="Wingdings" panose="05000000000000000000" pitchFamily="2" charset="2"/>
-              <a:buChar char="Ø"/>
-            </a:pPr>
-            <a:r>
-              <a:rPr lang="en-US" spc="5" dirty="0">
-                <a:cs typeface="Calibri"/>
-              </a:rPr>
-              <a:t>System functions: </a:t>
-            </a:r>
-            <a:endParaRPr lang="en-US" dirty="0"/>
-          </a:p>
-          <a:p>
-            <a:endParaRPr lang="en-US" dirty="0"/>
-          </a:p>
-        </p:txBody>
-      </p:sp>
-    </p:spTree>
-    <p:extLst>
-      <p:ext uri="{BB962C8B-B14F-4D97-AF65-F5344CB8AC3E}">
-        <p14:creationId xmlns:p14="http://schemas.microsoft.com/office/powerpoint/2010/main" val="2862446992"/>
-      </p:ext>
-    </p:extLst>
-  </p:cSld>
-  <p:clrMapOvr>
-    <a:masterClrMapping/>
-  </p:clrMapOvr>
+  <p:timing>
+    <p:tnLst>
+      <p:par>
+        <p:cTn id="1" dur="indefinite" restart="never" nodeType="tmRoot"/>
+      </p:par>
+    </p:tnLst>
+  </p:timing>
 </p:sld>
 </file>
 
@@ -10387,7 +10408,7 @@
         <p:spPr>
           <a:xfrm>
             <a:off x="1663336" y="2864715"/>
-            <a:ext cx="6096000" cy="2616101"/>
+            <a:ext cx="6096000" cy="1785104"/>
           </a:xfrm>
           <a:prstGeom prst="rect">
             <a:avLst/>
@@ -10399,13 +10420,17 @@
           </a:bodyPr>
           <a:lstStyle/>
           <a:p>
+            <a:pPr lvl="0"/>
+            <a:endParaRPr lang="en-US" dirty="0"/>
+          </a:p>
+          <a:p>
             <a:pPr marL="285750" lvl="0" indent="-285750">
               <a:buFont typeface="Wingdings" panose="05000000000000000000" pitchFamily="2" charset="2"/>
               <a:buChar char="ü"/>
             </a:pPr>
             <a:r>
               <a:rPr lang="en-GB" dirty="0"/>
-              <a:t>FCPM adds functions for affairs department.</a:t>
+              <a:t>FCPM adds functions for examination council.</a:t>
             </a:r>
           </a:p>
           <a:p>
@@ -10414,33 +10439,6 @@
               <a:buChar char="ü"/>
             </a:pPr>
             <a:endParaRPr lang="en-US" dirty="0"/>
-          </a:p>
-          <a:p>
-            <a:pPr marL="285750" lvl="0" indent="-285750">
-              <a:buFont typeface="Wingdings" panose="05000000000000000000" pitchFamily="2" charset="2"/>
-              <a:buChar char="ü"/>
-            </a:pPr>
-            <a:r>
-              <a:rPr lang="en-GB" dirty="0"/>
-              <a:t>FCPM adds functions for examination council.</a:t>
-            </a:r>
-          </a:p>
-          <a:p>
-            <a:pPr marL="285750" lvl="0" indent="-285750">
-              <a:buFont typeface="Wingdings" panose="05000000000000000000" pitchFamily="2" charset="2"/>
-              <a:buChar char="ü"/>
-            </a:pPr>
-            <a:endParaRPr lang="en-US" dirty="0"/>
-          </a:p>
-          <a:p>
-            <a:pPr marL="285750" lvl="0" indent="-285750">
-              <a:buFont typeface="Wingdings" panose="05000000000000000000" pitchFamily="2" charset="2"/>
-              <a:buChar char="ü"/>
-            </a:pPr>
-            <a:r>
-              <a:rPr lang="en-GB" dirty="0"/>
-              <a:t>FCPM completes functions of assessing the process of project.</a:t>
-            </a:r>
           </a:p>
           <a:p>
             <a:pPr marL="285750" lvl="0" indent="-285750">
@@ -10489,6 +10487,13 @@
   <p:clrMapOvr>
     <a:masterClrMapping/>
   </p:clrMapOvr>
+  <p:timing>
+    <p:tnLst>
+      <p:par>
+        <p:cTn id="1" dur="indefinite" restart="never" nodeType="tmRoot"/>
+      </p:par>
+    </p:tnLst>
+  </p:timing>
 </p:sld>
 </file>
 
@@ -10589,6 +10594,13 @@
   <p:clrMapOvr>
     <a:masterClrMapping/>
   </p:clrMapOvr>
+  <p:timing>
+    <p:tnLst>
+      <p:par>
+        <p:cTn id="1" dur="indefinite" restart="never" nodeType="tmRoot"/>
+      </p:par>
+    </p:tnLst>
+  </p:timing>
 </p:sld>
 </file>
 
@@ -16540,6 +16552,13 @@
   <p:clrMapOvr>
     <a:masterClrMapping/>
   </p:clrMapOvr>
+  <p:timing>
+    <p:tnLst>
+      <p:par>
+        <p:cTn id="1" dur="indefinite" restart="never" nodeType="tmRoot"/>
+      </p:par>
+    </p:tnLst>
+  </p:timing>
 </p:sld>
 </file>
 
@@ -17536,6 +17555,13 @@
   <p:clrMapOvr>
     <a:masterClrMapping/>
   </p:clrMapOvr>
+  <p:timing>
+    <p:tnLst>
+      <p:par>
+        <p:cTn id="1" dur="indefinite" restart="never" nodeType="tmRoot"/>
+      </p:par>
+    </p:tnLst>
+  </p:timing>
 </p:sld>
 </file>
 
@@ -17749,6 +17775,13 @@
   <p:clrMapOvr>
     <a:masterClrMapping/>
   </p:clrMapOvr>
+  <p:timing>
+    <p:tnLst>
+      <p:par>
+        <p:cTn id="1" dur="indefinite" restart="never" nodeType="tmRoot"/>
+      </p:par>
+    </p:tnLst>
+  </p:timing>
 </p:sld>
 </file>
 
@@ -18149,6 +18182,13 @@
   <p:clrMapOvr>
     <a:masterClrMapping/>
   </p:clrMapOvr>
+  <p:timing>
+    <p:tnLst>
+      <p:par>
+        <p:cTn id="1" dur="indefinite" restart="never" nodeType="tmRoot"/>
+      </p:par>
+    </p:tnLst>
+  </p:timing>
 </p:sld>
 </file>
 
@@ -18347,6 +18387,13 @@
   <p:clrMapOvr>
     <a:masterClrMapping/>
   </p:clrMapOvr>
+  <p:timing>
+    <p:tnLst>
+      <p:par>
+        <p:cTn id="1" dur="indefinite" restart="never" nodeType="tmRoot"/>
+      </p:par>
+    </p:tnLst>
+  </p:timing>
 </p:sld>
 </file>
 
@@ -18644,6 +18691,13 @@
   <p:clrMapOvr>
     <a:masterClrMapping/>
   </p:clrMapOvr>
+  <p:timing>
+    <p:tnLst>
+      <p:par>
+        <p:cTn id="1" dur="indefinite" restart="never" nodeType="tmRoot"/>
+      </p:par>
+    </p:tnLst>
+  </p:timing>
 </p:sld>
 </file>
 
@@ -18744,6 +18798,13 @@
   <p:clrMapOvr>
     <a:masterClrMapping/>
   </p:clrMapOvr>
+  <p:timing>
+    <p:tnLst>
+      <p:par>
+        <p:cTn id="1" dur="indefinite" restart="never" nodeType="tmRoot"/>
+      </p:par>
+    </p:tnLst>
+  </p:timing>
 </p:sld>
 </file>
 
@@ -18964,6 +19025,13 @@
   <p:clrMapOvr>
     <a:masterClrMapping/>
   </p:clrMapOvr>
+  <p:timing>
+    <p:tnLst>
+      <p:par>
+        <p:cTn id="1" dur="indefinite" restart="never" nodeType="tmRoot"/>
+      </p:par>
+    </p:tnLst>
+  </p:timing>
 </p:sld>
 </file>
 
@@ -19075,6 +19143,13 @@
   <p:clrMapOvr>
     <a:masterClrMapping/>
   </p:clrMapOvr>
+  <p:timing>
+    <p:tnLst>
+      <p:par>
+        <p:cTn id="1" dur="indefinite" restart="never" nodeType="tmRoot"/>
+      </p:par>
+    </p:tnLst>
+  </p:timing>
 </p:sld>
 </file>
 
@@ -19185,6 +19260,13 @@
   <p:clrMapOvr>
     <a:masterClrMapping/>
   </p:clrMapOvr>
+  <p:timing>
+    <p:tnLst>
+      <p:par>
+        <p:cTn id="1" dur="indefinite" restart="never" nodeType="tmRoot"/>
+      </p:par>
+    </p:tnLst>
+  </p:timing>
 </p:sld>
 </file>
 
@@ -19277,6 +19359,13 @@
   <p:clrMapOvr>
     <a:masterClrMapping/>
   </p:clrMapOvr>
+  <p:timing>
+    <p:tnLst>
+      <p:par>
+        <p:cTn id="1" dur="indefinite" restart="never" nodeType="tmRoot"/>
+      </p:par>
+    </p:tnLst>
+  </p:timing>
 </p:sld>
 </file>
 
@@ -19377,6 +19466,13 @@
   <p:clrMapOvr>
     <a:masterClrMapping/>
   </p:clrMapOvr>
+  <p:timing>
+    <p:tnLst>
+      <p:par>
+        <p:cTn id="1" dur="indefinite" restart="never" nodeType="tmRoot"/>
+      </p:par>
+    </p:tnLst>
+  </p:timing>
 </p:sld>
 </file>
 
@@ -21000,6 +21096,13 @@
   <p:clrMapOvr>
     <a:masterClrMapping/>
   </p:clrMapOvr>
+  <p:timing>
+    <p:tnLst>
+      <p:par>
+        <p:cTn id="1" dur="indefinite" restart="never" nodeType="tmRoot"/>
+      </p:par>
+    </p:tnLst>
+  </p:timing>
 </p:sld>
 </file>
 
@@ -21097,6 +21200,13 @@
   <p:clrMapOvr>
     <a:masterClrMapping/>
   </p:clrMapOvr>
+  <p:timing>
+    <p:tnLst>
+      <p:par>
+        <p:cTn id="1" dur="indefinite" restart="never" nodeType="tmRoot"/>
+      </p:par>
+    </p:tnLst>
+  </p:timing>
 </p:sld>
 </file>
 
@@ -21189,6 +21299,13 @@
   <p:clrMapOvr>
     <a:masterClrMapping/>
   </p:clrMapOvr>
+  <p:timing>
+    <p:tnLst>
+      <p:par>
+        <p:cTn id="1" dur="indefinite" restart="never" nodeType="tmRoot"/>
+      </p:par>
+    </p:tnLst>
+  </p:timing>
 </p:sld>
 </file>
 
@@ -21302,6 +21419,13 @@
   <p:clrMapOvr>
     <a:masterClrMapping/>
   </p:clrMapOvr>
+  <p:timing>
+    <p:tnLst>
+      <p:par>
+        <p:cTn id="1" dur="indefinite" restart="never" nodeType="tmRoot"/>
+      </p:par>
+    </p:tnLst>
+  </p:timing>
 </p:sld>
 </file>
 
@@ -21673,6 +21797,13 @@
   <p:clrMapOvr>
     <a:masterClrMapping/>
   </p:clrMapOvr>
+  <p:timing>
+    <p:tnLst>
+      <p:par>
+        <p:cTn id="1" dur="indefinite" restart="never" nodeType="tmRoot"/>
+      </p:par>
+    </p:tnLst>
+  </p:timing>
 </p:sld>
 </file>
 
@@ -22065,6 +22196,13 @@
   <p:clrMapOvr>
     <a:masterClrMapping/>
   </p:clrMapOvr>
+  <p:timing>
+    <p:tnLst>
+      <p:par>
+        <p:cTn id="1" dur="indefinite" restart="never" nodeType="tmRoot"/>
+      </p:par>
+    </p:tnLst>
+  </p:timing>
 </p:sld>
 </file>
 
@@ -22155,6 +22293,13 @@
   <p:clrMapOvr>
     <a:masterClrMapping/>
   </p:clrMapOvr>
+  <p:timing>
+    <p:tnLst>
+      <p:par>
+        <p:cTn id="1" dur="indefinite" restart="never" nodeType="tmRoot"/>
+      </p:par>
+    </p:tnLst>
+  </p:timing>
 </p:sld>
 </file>
 
@@ -22249,6 +22394,13 @@
   <p:clrMapOvr>
     <a:masterClrMapping/>
   </p:clrMapOvr>
+  <p:timing>
+    <p:tnLst>
+      <p:par>
+        <p:cTn id="1" dur="indefinite" restart="never" nodeType="tmRoot"/>
+      </p:par>
+    </p:tnLst>
+  </p:timing>
 </p:sld>
 </file>
 
@@ -22338,6 +22490,13 @@
   <p:clrMapOvr>
     <a:masterClrMapping/>
   </p:clrMapOvr>
+  <p:timing>
+    <p:tnLst>
+      <p:par>
+        <p:cTn id="1" dur="indefinite" restart="never" nodeType="tmRoot"/>
+      </p:par>
+    </p:tnLst>
+  </p:timing>
 </p:sld>
 </file>
 
@@ -22441,6 +22600,13 @@
   <p:clrMapOvr>
     <a:masterClrMapping/>
   </p:clrMapOvr>
+  <p:timing>
+    <p:tnLst>
+      <p:par>
+        <p:cTn id="1" dur="indefinite" restart="never" nodeType="tmRoot"/>
+      </p:par>
+    </p:tnLst>
+  </p:timing>
 </p:sld>
 </file>
 
@@ -27179,6 +27345,13 @@
   <p:clrMapOvr>
     <a:masterClrMapping/>
   </p:clrMapOvr>
+  <p:timing>
+    <p:tnLst>
+      <p:par>
+        <p:cTn id="1" dur="indefinite" restart="never" nodeType="tmRoot"/>
+      </p:par>
+    </p:tnLst>
+  </p:timing>
 </p:sld>
 </file>
 
@@ -27312,6 +27485,13 @@
   <p:clrMapOvr>
     <a:masterClrMapping/>
   </p:clrMapOvr>
+  <p:timing>
+    <p:tnLst>
+      <p:par>
+        <p:cTn id="1" dur="indefinite" restart="never" nodeType="tmRoot"/>
+      </p:par>
+    </p:tnLst>
+  </p:timing>
 </p:sld>
 </file>
 
@@ -27621,6 +27801,13 @@
   <p:clrMapOvr>
     <a:masterClrMapping/>
   </p:clrMapOvr>
+  <p:timing>
+    <p:tnLst>
+      <p:par>
+        <p:cTn id="1" dur="indefinite" restart="never" nodeType="tmRoot"/>
+      </p:par>
+    </p:tnLst>
+  </p:timing>
 </p:sld>
 </file>
 
@@ -27721,6 +27908,13 @@
   <p:clrMapOvr>
     <a:masterClrMapping/>
   </p:clrMapOvr>
+  <p:timing>
+    <p:tnLst>
+      <p:par>
+        <p:cTn id="1" dur="indefinite" restart="never" nodeType="tmRoot"/>
+      </p:par>
+    </p:tnLst>
+  </p:timing>
 </p:sld>
 </file>
 
@@ -28956,6 +29150,13 @@
   <p:clrMapOvr>
     <a:masterClrMapping/>
   </p:clrMapOvr>
+  <p:timing>
+    <p:tnLst>
+      <p:par>
+        <p:cTn id="1" dur="indefinite" restart="never" nodeType="tmRoot"/>
+      </p:par>
+    </p:tnLst>
+  </p:timing>
 </p:sld>
 </file>
 
@@ -29047,6 +29248,13 @@
   <p:clrMapOvr>
     <a:masterClrMapping/>
   </p:clrMapOvr>
+  <p:timing>
+    <p:tnLst>
+      <p:par>
+        <p:cTn id="1" dur="indefinite" restart="never" nodeType="tmRoot"/>
+      </p:par>
+    </p:tnLst>
+  </p:timing>
 </p:sld>
 </file>
 
@@ -29138,6 +29346,13 @@
   <p:clrMapOvr>
     <a:masterClrMapping/>
   </p:clrMapOvr>
+  <p:timing>
+    <p:tnLst>
+      <p:par>
+        <p:cTn id="1" dur="indefinite" restart="never" nodeType="tmRoot"/>
+      </p:par>
+    </p:tnLst>
+  </p:timing>
 </p:sld>
 </file>
 
@@ -29260,6 +29475,13 @@
   <p:clrMapOvr>
     <a:masterClrMapping/>
   </p:clrMapOvr>
+  <p:timing>
+    <p:tnLst>
+      <p:par>
+        <p:cTn id="1" dur="indefinite" restart="never" nodeType="tmRoot"/>
+      </p:par>
+    </p:tnLst>
+  </p:timing>
 </p:sld>
 </file>
 
@@ -29909,6 +30131,13 @@
   <p:clrMapOvr>
     <a:masterClrMapping/>
   </p:clrMapOvr>
+  <p:timing>
+    <p:tnLst>
+      <p:par>
+        <p:cTn id="1" dur="indefinite" restart="never" nodeType="tmRoot"/>
+      </p:par>
+    </p:tnLst>
+  </p:timing>
 </p:sld>
 </file>
 
@@ -30323,6 +30552,13 @@
   <p:clrMapOvr>
     <a:masterClrMapping/>
   </p:clrMapOvr>
+  <p:timing>
+    <p:tnLst>
+      <p:par>
+        <p:cTn id="1" dur="indefinite" restart="never" nodeType="tmRoot"/>
+      </p:par>
+    </p:tnLst>
+  </p:timing>
 </p:sld>
 </file>
 
